--- a/slides/ePortfolio-Next.js.pptx
+++ b/slides/ePortfolio-Next.js.pptx
@@ -4,11 +4,19 @@
   <p:sldMasterIdLst>
     <p:sldMasterId id="2147483696" r:id="rId1"/>
   </p:sldMasterIdLst>
+  <p:notesMasterIdLst>
+    <p:notesMasterId r:id="rId11"/>
+  </p:notesMasterIdLst>
   <p:sldIdLst>
     <p:sldId id="256" r:id="rId2"/>
     <p:sldId id="257" r:id="rId3"/>
     <p:sldId id="259" r:id="rId4"/>
-    <p:sldId id="258" r:id="rId5"/>
+    <p:sldId id="260" r:id="rId5"/>
+    <p:sldId id="264" r:id="rId6"/>
+    <p:sldId id="263" r:id="rId7"/>
+    <p:sldId id="258" r:id="rId8"/>
+    <p:sldId id="261" r:id="rId9"/>
+    <p:sldId id="262" r:id="rId10"/>
   </p:sldIdLst>
   <p:sldSz cx="9144000" cy="6858000" type="screen4x3"/>
   <p:notesSz cx="6858000" cy="9144000"/>
@@ -110,6 +118,642 @@
 </p:presentation>
 </file>
 
+<file path=ppt/notesMasters/notesMaster1.xml><?xml version="1.0" encoding="utf-8"?>
+<p:notesMaster xmlns:a="http://schemas.openxmlformats.org/drawingml/2006/main" xmlns:r="http://schemas.openxmlformats.org/officeDocument/2006/relationships" xmlns:p="http://schemas.openxmlformats.org/presentationml/2006/main">
+  <p:cSld>
+    <p:bg>
+      <p:bgRef idx="1001">
+        <a:schemeClr val="bg1"/>
+      </p:bgRef>
+    </p:bg>
+    <p:spTree>
+      <p:nvGrpSpPr>
+        <p:cNvPr id="1" name=""/>
+        <p:cNvGrpSpPr/>
+        <p:nvPr/>
+      </p:nvGrpSpPr>
+      <p:grpSpPr>
+        <a:xfrm>
+          <a:off x="0" y="0"/>
+          <a:ext cx="0" cy="0"/>
+          <a:chOff x="0" y="0"/>
+          <a:chExt cx="0" cy="0"/>
+        </a:xfrm>
+      </p:grpSpPr>
+      <p:sp>
+        <p:nvSpPr>
+          <p:cNvPr id="2" name="Kopfzeilenplatzhalter 1"/>
+          <p:cNvSpPr>
+            <a:spLocks noGrp="1"/>
+          </p:cNvSpPr>
+          <p:nvPr>
+            <p:ph type="hdr" sz="quarter"/>
+          </p:nvPr>
+        </p:nvSpPr>
+        <p:spPr>
+          <a:xfrm>
+            <a:off x="0" y="0"/>
+            <a:ext cx="2971800" cy="457200"/>
+          </a:xfrm>
+          <a:prstGeom prst="rect">
+            <a:avLst/>
+          </a:prstGeom>
+        </p:spPr>
+        <p:txBody>
+          <a:bodyPr vert="horz" lIns="91440" tIns="45720" rIns="91440" bIns="45720" rtlCol="0"/>
+          <a:lstStyle>
+            <a:lvl1pPr algn="l">
+              <a:defRPr sz="1200"/>
+            </a:lvl1pPr>
+          </a:lstStyle>
+          <a:p>
+            <a:endParaRPr lang="de-DE"/>
+          </a:p>
+        </p:txBody>
+      </p:sp>
+      <p:sp>
+        <p:nvSpPr>
+          <p:cNvPr id="3" name="Datumsplatzhalter 2"/>
+          <p:cNvSpPr>
+            <a:spLocks noGrp="1"/>
+          </p:cNvSpPr>
+          <p:nvPr>
+            <p:ph type="dt" idx="1"/>
+          </p:nvPr>
+        </p:nvSpPr>
+        <p:spPr>
+          <a:xfrm>
+            <a:off x="3884613" y="0"/>
+            <a:ext cx="2971800" cy="457200"/>
+          </a:xfrm>
+          <a:prstGeom prst="rect">
+            <a:avLst/>
+          </a:prstGeom>
+        </p:spPr>
+        <p:txBody>
+          <a:bodyPr vert="horz" lIns="91440" tIns="45720" rIns="91440" bIns="45720" rtlCol="0"/>
+          <a:lstStyle>
+            <a:lvl1pPr algn="r">
+              <a:defRPr sz="1200"/>
+            </a:lvl1pPr>
+          </a:lstStyle>
+          <a:p>
+            <a:fld id="{B0A69AA5-AB30-46BA-AA09-234D9E014F0D}" type="datetimeFigureOut">
+              <a:rPr lang="de-DE" smtClean="0"/>
+              <a:t>03.06.2019</a:t>
+            </a:fld>
+            <a:endParaRPr lang="de-DE"/>
+          </a:p>
+        </p:txBody>
+      </p:sp>
+      <p:sp>
+        <p:nvSpPr>
+          <p:cNvPr id="4" name="Folienbildplatzhalter 3"/>
+          <p:cNvSpPr>
+            <a:spLocks noGrp="1" noRot="1" noChangeAspect="1"/>
+          </p:cNvSpPr>
+          <p:nvPr>
+            <p:ph type="sldImg" idx="2"/>
+          </p:nvPr>
+        </p:nvSpPr>
+        <p:spPr>
+          <a:xfrm>
+            <a:off x="1143000" y="685800"/>
+            <a:ext cx="4572000" cy="3429000"/>
+          </a:xfrm>
+          <a:prstGeom prst="rect">
+            <a:avLst/>
+          </a:prstGeom>
+          <a:noFill/>
+          <a:ln w="12700">
+            <a:solidFill>
+              <a:prstClr val="black"/>
+            </a:solidFill>
+          </a:ln>
+        </p:spPr>
+        <p:txBody>
+          <a:bodyPr vert="horz" lIns="91440" tIns="45720" rIns="91440" bIns="45720" rtlCol="0" anchor="ctr"/>
+          <a:lstStyle/>
+          <a:p>
+            <a:endParaRPr lang="de-DE"/>
+          </a:p>
+        </p:txBody>
+      </p:sp>
+      <p:sp>
+        <p:nvSpPr>
+          <p:cNvPr id="5" name="Notizenplatzhalter 4"/>
+          <p:cNvSpPr>
+            <a:spLocks noGrp="1"/>
+          </p:cNvSpPr>
+          <p:nvPr>
+            <p:ph type="body" sz="quarter" idx="3"/>
+          </p:nvPr>
+        </p:nvSpPr>
+        <p:spPr>
+          <a:xfrm>
+            <a:off x="685800" y="4343400"/>
+            <a:ext cx="5486400" cy="4114800"/>
+          </a:xfrm>
+          <a:prstGeom prst="rect">
+            <a:avLst/>
+          </a:prstGeom>
+        </p:spPr>
+        <p:txBody>
+          <a:bodyPr vert="horz" lIns="91440" tIns="45720" rIns="91440" bIns="45720" rtlCol="0"/>
+          <a:lstStyle/>
+          <a:p>
+            <a:pPr lvl="0"/>
+            <a:r>
+              <a:rPr lang="de-DE" smtClean="0"/>
+              <a:t>Textmasterformat bearbeiten</a:t>
+            </a:r>
+          </a:p>
+          <a:p>
+            <a:pPr lvl="1"/>
+            <a:r>
+              <a:rPr lang="de-DE" smtClean="0"/>
+              <a:t>Zweite Ebene</a:t>
+            </a:r>
+          </a:p>
+          <a:p>
+            <a:pPr lvl="2"/>
+            <a:r>
+              <a:rPr lang="de-DE" smtClean="0"/>
+              <a:t>Dritte Ebene</a:t>
+            </a:r>
+          </a:p>
+          <a:p>
+            <a:pPr lvl="3"/>
+            <a:r>
+              <a:rPr lang="de-DE" smtClean="0"/>
+              <a:t>Vierte Ebene</a:t>
+            </a:r>
+          </a:p>
+          <a:p>
+            <a:pPr lvl="4"/>
+            <a:r>
+              <a:rPr lang="de-DE" smtClean="0"/>
+              <a:t>Fünfte Ebene</a:t>
+            </a:r>
+            <a:endParaRPr lang="de-DE"/>
+          </a:p>
+        </p:txBody>
+      </p:sp>
+      <p:sp>
+        <p:nvSpPr>
+          <p:cNvPr id="6" name="Fußzeilenplatzhalter 5"/>
+          <p:cNvSpPr>
+            <a:spLocks noGrp="1"/>
+          </p:cNvSpPr>
+          <p:nvPr>
+            <p:ph type="ftr" sz="quarter" idx="4"/>
+          </p:nvPr>
+        </p:nvSpPr>
+        <p:spPr>
+          <a:xfrm>
+            <a:off x="0" y="8685213"/>
+            <a:ext cx="2971800" cy="457200"/>
+          </a:xfrm>
+          <a:prstGeom prst="rect">
+            <a:avLst/>
+          </a:prstGeom>
+        </p:spPr>
+        <p:txBody>
+          <a:bodyPr vert="horz" lIns="91440" tIns="45720" rIns="91440" bIns="45720" rtlCol="0" anchor="b"/>
+          <a:lstStyle>
+            <a:lvl1pPr algn="l">
+              <a:defRPr sz="1200"/>
+            </a:lvl1pPr>
+          </a:lstStyle>
+          <a:p>
+            <a:endParaRPr lang="de-DE"/>
+          </a:p>
+        </p:txBody>
+      </p:sp>
+      <p:sp>
+        <p:nvSpPr>
+          <p:cNvPr id="7" name="Foliennummernplatzhalter 6"/>
+          <p:cNvSpPr>
+            <a:spLocks noGrp="1"/>
+          </p:cNvSpPr>
+          <p:nvPr>
+            <p:ph type="sldNum" sz="quarter" idx="5"/>
+          </p:nvPr>
+        </p:nvSpPr>
+        <p:spPr>
+          <a:xfrm>
+            <a:off x="3884613" y="8685213"/>
+            <a:ext cx="2971800" cy="457200"/>
+          </a:xfrm>
+          <a:prstGeom prst="rect">
+            <a:avLst/>
+          </a:prstGeom>
+        </p:spPr>
+        <p:txBody>
+          <a:bodyPr vert="horz" lIns="91440" tIns="45720" rIns="91440" bIns="45720" rtlCol="0" anchor="b"/>
+          <a:lstStyle>
+            <a:lvl1pPr algn="r">
+              <a:defRPr sz="1200"/>
+            </a:lvl1pPr>
+          </a:lstStyle>
+          <a:p>
+            <a:fld id="{92F691AB-99AA-4EF3-BFF2-62ACB6D555C8}" type="slidenum">
+              <a:rPr lang="de-DE" smtClean="0"/>
+              <a:t>‹Nr.›</a:t>
+            </a:fld>
+            <a:endParaRPr lang="de-DE"/>
+          </a:p>
+        </p:txBody>
+      </p:sp>
+    </p:spTree>
+    <p:extLst>
+      <p:ext uri="{BB962C8B-B14F-4D97-AF65-F5344CB8AC3E}">
+        <p14:creationId xmlns:p14="http://schemas.microsoft.com/office/powerpoint/2010/main" val="2362034651"/>
+      </p:ext>
+    </p:extLst>
+  </p:cSld>
+  <p:clrMap bg1="lt1" tx1="dk1" bg2="lt2" tx2="dk2" accent1="accent1" accent2="accent2" accent3="accent3" accent4="accent4" accent5="accent5" accent6="accent6" hlink="hlink" folHlink="folHlink"/>
+  <p:notesStyle>
+    <a:lvl1pPr marL="0" algn="l" defTabSz="914400" rtl="0" eaLnBrk="1" latinLnBrk="0" hangingPunct="1">
+      <a:defRPr sz="1200" kern="1200">
+        <a:solidFill>
+          <a:schemeClr val="tx1"/>
+        </a:solidFill>
+        <a:latin typeface="+mn-lt"/>
+        <a:ea typeface="+mn-ea"/>
+        <a:cs typeface="+mn-cs"/>
+      </a:defRPr>
+    </a:lvl1pPr>
+    <a:lvl2pPr marL="457200" algn="l" defTabSz="914400" rtl="0" eaLnBrk="1" latinLnBrk="0" hangingPunct="1">
+      <a:defRPr sz="1200" kern="1200">
+        <a:solidFill>
+          <a:schemeClr val="tx1"/>
+        </a:solidFill>
+        <a:latin typeface="+mn-lt"/>
+        <a:ea typeface="+mn-ea"/>
+        <a:cs typeface="+mn-cs"/>
+      </a:defRPr>
+    </a:lvl2pPr>
+    <a:lvl3pPr marL="914400" algn="l" defTabSz="914400" rtl="0" eaLnBrk="1" latinLnBrk="0" hangingPunct="1">
+      <a:defRPr sz="1200" kern="1200">
+        <a:solidFill>
+          <a:schemeClr val="tx1"/>
+        </a:solidFill>
+        <a:latin typeface="+mn-lt"/>
+        <a:ea typeface="+mn-ea"/>
+        <a:cs typeface="+mn-cs"/>
+      </a:defRPr>
+    </a:lvl3pPr>
+    <a:lvl4pPr marL="1371600" algn="l" defTabSz="914400" rtl="0" eaLnBrk="1" latinLnBrk="0" hangingPunct="1">
+      <a:defRPr sz="1200" kern="1200">
+        <a:solidFill>
+          <a:schemeClr val="tx1"/>
+        </a:solidFill>
+        <a:latin typeface="+mn-lt"/>
+        <a:ea typeface="+mn-ea"/>
+        <a:cs typeface="+mn-cs"/>
+      </a:defRPr>
+    </a:lvl4pPr>
+    <a:lvl5pPr marL="1828800" algn="l" defTabSz="914400" rtl="0" eaLnBrk="1" latinLnBrk="0" hangingPunct="1">
+      <a:defRPr sz="1200" kern="1200">
+        <a:solidFill>
+          <a:schemeClr val="tx1"/>
+        </a:solidFill>
+        <a:latin typeface="+mn-lt"/>
+        <a:ea typeface="+mn-ea"/>
+        <a:cs typeface="+mn-cs"/>
+      </a:defRPr>
+    </a:lvl5pPr>
+    <a:lvl6pPr marL="2286000" algn="l" defTabSz="914400" rtl="0" eaLnBrk="1" latinLnBrk="0" hangingPunct="1">
+      <a:defRPr sz="1200" kern="1200">
+        <a:solidFill>
+          <a:schemeClr val="tx1"/>
+        </a:solidFill>
+        <a:latin typeface="+mn-lt"/>
+        <a:ea typeface="+mn-ea"/>
+        <a:cs typeface="+mn-cs"/>
+      </a:defRPr>
+    </a:lvl6pPr>
+    <a:lvl7pPr marL="2743200" algn="l" defTabSz="914400" rtl="0" eaLnBrk="1" latinLnBrk="0" hangingPunct="1">
+      <a:defRPr sz="1200" kern="1200">
+        <a:solidFill>
+          <a:schemeClr val="tx1"/>
+        </a:solidFill>
+        <a:latin typeface="+mn-lt"/>
+        <a:ea typeface="+mn-ea"/>
+        <a:cs typeface="+mn-cs"/>
+      </a:defRPr>
+    </a:lvl7pPr>
+    <a:lvl8pPr marL="3200400" algn="l" defTabSz="914400" rtl="0" eaLnBrk="1" latinLnBrk="0" hangingPunct="1">
+      <a:defRPr sz="1200" kern="1200">
+        <a:solidFill>
+          <a:schemeClr val="tx1"/>
+        </a:solidFill>
+        <a:latin typeface="+mn-lt"/>
+        <a:ea typeface="+mn-ea"/>
+        <a:cs typeface="+mn-cs"/>
+      </a:defRPr>
+    </a:lvl8pPr>
+    <a:lvl9pPr marL="3657600" algn="l" defTabSz="914400" rtl="0" eaLnBrk="1" latinLnBrk="0" hangingPunct="1">
+      <a:defRPr sz="1200" kern="1200">
+        <a:solidFill>
+          <a:schemeClr val="tx1"/>
+        </a:solidFill>
+        <a:latin typeface="+mn-lt"/>
+        <a:ea typeface="+mn-ea"/>
+        <a:cs typeface="+mn-cs"/>
+      </a:defRPr>
+    </a:lvl9pPr>
+  </p:notesStyle>
+</p:notesMaster>
+</file>
+
+<file path=ppt/notesSlides/notesSlide1.xml><?xml version="1.0" encoding="utf-8"?>
+<p:notes xmlns:a="http://schemas.openxmlformats.org/drawingml/2006/main" xmlns:r="http://schemas.openxmlformats.org/officeDocument/2006/relationships" xmlns:p="http://schemas.openxmlformats.org/presentationml/2006/main">
+  <p:cSld>
+    <p:spTree>
+      <p:nvGrpSpPr>
+        <p:cNvPr id="1" name=""/>
+        <p:cNvGrpSpPr/>
+        <p:nvPr/>
+      </p:nvGrpSpPr>
+      <p:grpSpPr>
+        <a:xfrm>
+          <a:off x="0" y="0"/>
+          <a:ext cx="0" cy="0"/>
+          <a:chOff x="0" y="0"/>
+          <a:chExt cx="0" cy="0"/>
+        </a:xfrm>
+      </p:grpSpPr>
+      <p:sp>
+        <p:nvSpPr>
+          <p:cNvPr id="2" name="Folienbildplatzhalter 1"/>
+          <p:cNvSpPr>
+            <a:spLocks noGrp="1" noRot="1" noChangeAspect="1"/>
+          </p:cNvSpPr>
+          <p:nvPr>
+            <p:ph type="sldImg"/>
+          </p:nvPr>
+        </p:nvSpPr>
+        <p:spPr/>
+      </p:sp>
+      <p:sp>
+        <p:nvSpPr>
+          <p:cNvPr id="3" name="Notizenplatzhalter 2"/>
+          <p:cNvSpPr>
+            <a:spLocks noGrp="1"/>
+          </p:cNvSpPr>
+          <p:nvPr>
+            <p:ph type="body" idx="1"/>
+          </p:nvPr>
+        </p:nvSpPr>
+        <p:spPr/>
+        <p:txBody>
+          <a:bodyPr/>
+          <a:lstStyle/>
+          <a:p>
+            <a:pPr marL="228600" indent="-228600">
+              <a:buFont typeface="+mj-lt"/>
+              <a:buAutoNum type="arabicPeriod"/>
+            </a:pPr>
+            <a:r>
+              <a:rPr lang="de-DE" dirty="0" smtClean="0"/>
+              <a:t>Serve</a:t>
+            </a:r>
+            <a:r>
+              <a:rPr lang="de-DE" baseline="0" dirty="0" smtClean="0"/>
+              <a:t>r sendet Antwort an Browser</a:t>
+            </a:r>
+          </a:p>
+          <a:p>
+            <a:pPr marL="228600" indent="-228600">
+              <a:buFont typeface="+mj-lt"/>
+              <a:buAutoNum type="arabicPeriod"/>
+            </a:pPr>
+            <a:r>
+              <a:rPr lang="de-DE" baseline="0" dirty="0" smtClean="0"/>
+              <a:t>Browser lädt JS</a:t>
+            </a:r>
+          </a:p>
+          <a:p>
+            <a:pPr marL="228600" indent="-228600">
+              <a:buFont typeface="+mj-lt"/>
+              <a:buAutoNum type="arabicPeriod"/>
+            </a:pPr>
+            <a:r>
+              <a:rPr lang="de-DE" baseline="0" dirty="0" smtClean="0"/>
+              <a:t>Browser führt </a:t>
+            </a:r>
+            <a:r>
+              <a:rPr lang="de-DE" baseline="0" dirty="0" err="1" smtClean="0"/>
+              <a:t>React</a:t>
+            </a:r>
+            <a:r>
+              <a:rPr lang="de-DE" baseline="0" dirty="0" smtClean="0"/>
+              <a:t> aus</a:t>
+            </a:r>
+          </a:p>
+          <a:p>
+            <a:pPr marL="228600" indent="-228600">
+              <a:buFont typeface="+mj-lt"/>
+              <a:buAutoNum type="arabicPeriod"/>
+            </a:pPr>
+            <a:r>
+              <a:rPr lang="de-DE" baseline="0" dirty="0" smtClean="0"/>
+              <a:t>Seite wird angezeigt und kann verwendet werden</a:t>
+            </a:r>
+          </a:p>
+        </p:txBody>
+      </p:sp>
+      <p:sp>
+        <p:nvSpPr>
+          <p:cNvPr id="4" name="Foliennummernplatzhalter 3"/>
+          <p:cNvSpPr>
+            <a:spLocks noGrp="1"/>
+          </p:cNvSpPr>
+          <p:nvPr>
+            <p:ph type="sldNum" sz="quarter" idx="10"/>
+          </p:nvPr>
+        </p:nvSpPr>
+        <p:spPr/>
+        <p:txBody>
+          <a:bodyPr/>
+          <a:lstStyle/>
+          <a:p>
+            <a:fld id="{92F691AB-99AA-4EF3-BFF2-62ACB6D555C8}" type="slidenum">
+              <a:rPr lang="de-DE" smtClean="0"/>
+              <a:t>5</a:t>
+            </a:fld>
+            <a:endParaRPr lang="de-DE"/>
+          </a:p>
+        </p:txBody>
+      </p:sp>
+    </p:spTree>
+    <p:extLst>
+      <p:ext uri="{BB962C8B-B14F-4D97-AF65-F5344CB8AC3E}">
+        <p14:creationId xmlns:p14="http://schemas.microsoft.com/office/powerpoint/2010/main" val="277664207"/>
+      </p:ext>
+    </p:extLst>
+  </p:cSld>
+  <p:clrMapOvr>
+    <a:masterClrMapping/>
+  </p:clrMapOvr>
+</p:notes>
+</file>
+
+<file path=ppt/notesSlides/notesSlide2.xml><?xml version="1.0" encoding="utf-8"?>
+<p:notes xmlns:a="http://schemas.openxmlformats.org/drawingml/2006/main" xmlns:r="http://schemas.openxmlformats.org/officeDocument/2006/relationships" xmlns:p="http://schemas.openxmlformats.org/presentationml/2006/main">
+  <p:cSld>
+    <p:spTree>
+      <p:nvGrpSpPr>
+        <p:cNvPr id="1" name=""/>
+        <p:cNvGrpSpPr/>
+        <p:nvPr/>
+      </p:nvGrpSpPr>
+      <p:grpSpPr>
+        <a:xfrm>
+          <a:off x="0" y="0"/>
+          <a:ext cx="0" cy="0"/>
+          <a:chOff x="0" y="0"/>
+          <a:chExt cx="0" cy="0"/>
+        </a:xfrm>
+      </p:grpSpPr>
+      <p:sp>
+        <p:nvSpPr>
+          <p:cNvPr id="2" name="Folienbildplatzhalter 1"/>
+          <p:cNvSpPr>
+            <a:spLocks noGrp="1" noRot="1" noChangeAspect="1"/>
+          </p:cNvSpPr>
+          <p:nvPr>
+            <p:ph type="sldImg"/>
+          </p:nvPr>
+        </p:nvSpPr>
+        <p:spPr/>
+      </p:sp>
+      <p:sp>
+        <p:nvSpPr>
+          <p:cNvPr id="3" name="Notizenplatzhalter 2"/>
+          <p:cNvSpPr>
+            <a:spLocks noGrp="1"/>
+          </p:cNvSpPr>
+          <p:nvPr>
+            <p:ph type="body" idx="1"/>
+          </p:nvPr>
+        </p:nvSpPr>
+        <p:spPr/>
+        <p:txBody>
+          <a:bodyPr/>
+          <a:lstStyle/>
+          <a:p>
+            <a:pPr marL="228600" indent="-228600">
+              <a:buFont typeface="+mj-lt"/>
+              <a:buAutoNum type="arabicPeriod"/>
+            </a:pPr>
+            <a:r>
+              <a:rPr lang="de-DE" dirty="0" smtClean="0"/>
+              <a:t>Server</a:t>
+            </a:r>
+            <a:r>
+              <a:rPr lang="de-DE" baseline="0" dirty="0" smtClean="0"/>
+              <a:t> sendet vorgerenderter HTML-Code</a:t>
+            </a:r>
+          </a:p>
+          <a:p>
+            <a:pPr marL="228600" indent="-228600">
+              <a:buFont typeface="+mj-lt"/>
+              <a:buAutoNum type="arabicPeriod"/>
+            </a:pPr>
+            <a:r>
+              <a:rPr lang="de-DE" baseline="0" dirty="0" smtClean="0"/>
+              <a:t>Browser zeigt die Seite an und lädt JS</a:t>
+            </a:r>
+          </a:p>
+          <a:p>
+            <a:pPr marL="228600" indent="-228600">
+              <a:buFont typeface="+mj-lt"/>
+              <a:buAutoNum type="arabicPeriod"/>
+            </a:pPr>
+            <a:r>
+              <a:rPr lang="de-DE" baseline="0" dirty="0" err="1" smtClean="0"/>
+              <a:t>React</a:t>
+            </a:r>
+            <a:r>
+              <a:rPr lang="de-DE" baseline="0" dirty="0" smtClean="0"/>
+              <a:t> wird ausgeführt</a:t>
+            </a:r>
+          </a:p>
+          <a:p>
+            <a:pPr marL="228600" indent="-228600">
+              <a:buFont typeface="+mj-lt"/>
+              <a:buAutoNum type="arabicPeriod"/>
+            </a:pPr>
+            <a:r>
+              <a:rPr lang="de-DE" dirty="0" smtClean="0"/>
+              <a:t>Es</a:t>
+            </a:r>
+            <a:r>
+              <a:rPr lang="de-DE" baseline="0" dirty="0" smtClean="0"/>
+              <a:t> kann mit der Seite interagiert werden.</a:t>
+            </a:r>
+          </a:p>
+          <a:p>
+            <a:pPr marL="228600" indent="-228600">
+              <a:buFont typeface="+mj-lt"/>
+              <a:buAutoNum type="arabicPeriod"/>
+            </a:pPr>
+            <a:endParaRPr lang="de-DE" baseline="0" dirty="0" smtClean="0"/>
+          </a:p>
+          <a:p>
+            <a:pPr marL="0" indent="0">
+              <a:buFont typeface="+mj-lt"/>
+              <a:buNone/>
+            </a:pPr>
+            <a:r>
+              <a:rPr lang="de-DE" baseline="0" dirty="0" smtClean="0">
+                <a:sym typeface="Wingdings" panose="05000000000000000000" pitchFamily="2" charset="2"/>
+              </a:rPr>
+              <a:t> Schnellere Antwortzeit, angenehmer für Benutzer</a:t>
+            </a:r>
+            <a:endParaRPr lang="de-DE" dirty="0"/>
+          </a:p>
+        </p:txBody>
+      </p:sp>
+      <p:sp>
+        <p:nvSpPr>
+          <p:cNvPr id="4" name="Foliennummernplatzhalter 3"/>
+          <p:cNvSpPr>
+            <a:spLocks noGrp="1"/>
+          </p:cNvSpPr>
+          <p:nvPr>
+            <p:ph type="sldNum" sz="quarter" idx="10"/>
+          </p:nvPr>
+        </p:nvSpPr>
+        <p:spPr/>
+        <p:txBody>
+          <a:bodyPr/>
+          <a:lstStyle/>
+          <a:p>
+            <a:fld id="{92F691AB-99AA-4EF3-BFF2-62ACB6D555C8}" type="slidenum">
+              <a:rPr lang="de-DE" smtClean="0"/>
+              <a:t>6</a:t>
+            </a:fld>
+            <a:endParaRPr lang="de-DE"/>
+          </a:p>
+        </p:txBody>
+      </p:sp>
+    </p:spTree>
+    <p:extLst>
+      <p:ext uri="{BB962C8B-B14F-4D97-AF65-F5344CB8AC3E}">
+        <p14:creationId xmlns:p14="http://schemas.microsoft.com/office/powerpoint/2010/main" val="2193488628"/>
+      </p:ext>
+    </p:extLst>
+  </p:cSld>
+  <p:clrMapOvr>
+    <a:masterClrMapping/>
+  </p:clrMapOvr>
+</p:notes>
+</file>
+
 <file path=ppt/slideLayouts/slideLayout1.xml><?xml version="1.0" encoding="utf-8"?>
 <p:sldLayout xmlns:a="http://schemas.openxmlformats.org/drawingml/2006/main" xmlns:r="http://schemas.openxmlformats.org/officeDocument/2006/relationships" xmlns:p="http://schemas.openxmlformats.org/presentationml/2006/main" showMasterSp="0" type="title" preserve="1">
   <p:cSld name="Titelfolie">
@@ -303,7 +947,7 @@
           <a:p>
             <a:fld id="{DDDD24EE-0D11-4298-A995-DC2C3A74A2A3}" type="datetimeFigureOut">
               <a:rPr lang="de-DE" smtClean="0"/>
-              <a:t>23.05.2019</a:t>
+              <a:t>03.06.2019</a:t>
             </a:fld>
             <a:endParaRPr lang="de-DE"/>
           </a:p>
@@ -568,7 +1212,7 @@
           <a:p>
             <a:fld id="{DDDD24EE-0D11-4298-A995-DC2C3A74A2A3}" type="datetimeFigureOut">
               <a:rPr lang="de-DE" smtClean="0"/>
-              <a:t>23.05.2019</a:t>
+              <a:t>03.06.2019</a:t>
             </a:fld>
             <a:endParaRPr lang="de-DE"/>
           </a:p>
@@ -743,7 +1387,7 @@
           <a:p>
             <a:fld id="{DDDD24EE-0D11-4298-A995-DC2C3A74A2A3}" type="datetimeFigureOut">
               <a:rPr lang="de-DE" smtClean="0"/>
-              <a:t>23.05.2019</a:t>
+              <a:t>03.06.2019</a:t>
             </a:fld>
             <a:endParaRPr lang="de-DE"/>
           </a:p>
@@ -908,7 +1552,7 @@
           <a:p>
             <a:fld id="{DDDD24EE-0D11-4298-A995-DC2C3A74A2A3}" type="datetimeFigureOut">
               <a:rPr lang="de-DE" smtClean="0"/>
-              <a:t>23.05.2019</a:t>
+              <a:t>03.06.2019</a:t>
             </a:fld>
             <a:endParaRPr lang="de-DE"/>
           </a:p>
@@ -1157,7 +1801,7 @@
           <a:p>
             <a:fld id="{DDDD24EE-0D11-4298-A995-DC2C3A74A2A3}" type="datetimeFigureOut">
               <a:rPr lang="de-DE" smtClean="0"/>
-              <a:t>23.05.2019</a:t>
+              <a:t>03.06.2019</a:t>
             </a:fld>
             <a:endParaRPr lang="de-DE"/>
           </a:p>
@@ -1440,7 +2084,7 @@
           <a:p>
             <a:fld id="{DDDD24EE-0D11-4298-A995-DC2C3A74A2A3}" type="datetimeFigureOut">
               <a:rPr lang="de-DE" smtClean="0"/>
-              <a:t>23.05.2019</a:t>
+              <a:t>03.06.2019</a:t>
             </a:fld>
             <a:endParaRPr lang="de-DE"/>
           </a:p>
@@ -1879,7 +2523,7 @@
           <a:p>
             <a:fld id="{DDDD24EE-0D11-4298-A995-DC2C3A74A2A3}" type="datetimeFigureOut">
               <a:rPr lang="de-DE" smtClean="0"/>
-              <a:t>23.05.2019</a:t>
+              <a:t>03.06.2019</a:t>
             </a:fld>
             <a:endParaRPr lang="de-DE"/>
           </a:p>
@@ -1992,7 +2636,7 @@
           <a:p>
             <a:fld id="{DDDD24EE-0D11-4298-A995-DC2C3A74A2A3}" type="datetimeFigureOut">
               <a:rPr lang="de-DE" smtClean="0"/>
-              <a:t>23.05.2019</a:t>
+              <a:t>03.06.2019</a:t>
             </a:fld>
             <a:endParaRPr lang="de-DE"/>
           </a:p>
@@ -2082,7 +2726,7 @@
           <a:p>
             <a:fld id="{DDDD24EE-0D11-4298-A995-DC2C3A74A2A3}" type="datetimeFigureOut">
               <a:rPr lang="de-DE" smtClean="0"/>
-              <a:t>23.05.2019</a:t>
+              <a:t>03.06.2019</a:t>
             </a:fld>
             <a:endParaRPr lang="de-DE"/>
           </a:p>
@@ -2324,7 +2968,7 @@
           <a:p>
             <a:fld id="{DDDD24EE-0D11-4298-A995-DC2C3A74A2A3}" type="datetimeFigureOut">
               <a:rPr lang="de-DE" smtClean="0"/>
-              <a:t>23.05.2019</a:t>
+              <a:t>03.06.2019</a:t>
             </a:fld>
             <a:endParaRPr lang="de-DE"/>
           </a:p>
@@ -2618,7 +3262,7 @@
           <a:p>
             <a:fld id="{DDDD24EE-0D11-4298-A995-DC2C3A74A2A3}" type="datetimeFigureOut">
               <a:rPr lang="de-DE" smtClean="0"/>
-              <a:t>23.05.2019</a:t>
+              <a:t>03.06.2019</a:t>
             </a:fld>
             <a:endParaRPr lang="de-DE"/>
           </a:p>
@@ -2912,7 +3556,7 @@
           <a:p>
             <a:fld id="{DDDD24EE-0D11-4298-A995-DC2C3A74A2A3}" type="datetimeFigureOut">
               <a:rPr lang="de-DE" smtClean="0"/>
-              <a:t>23.05.2019</a:t>
+              <a:t>03.06.2019</a:t>
             </a:fld>
             <a:endParaRPr lang="de-DE"/>
           </a:p>
@@ -3559,8 +4203,9 @@
             </a:pPr>
             <a:r>
               <a:rPr lang="de-DE" dirty="0" smtClean="0"/>
-              <a:t>Wozu wird Next.js verwendet?</a:t>
-            </a:r>
+              <a:t>Vorteile von Next.js</a:t>
+            </a:r>
+            <a:endParaRPr lang="de-DE" dirty="0" smtClean="0"/>
           </a:p>
           <a:p>
             <a:pPr marL="457200" indent="-457200">
@@ -3657,7 +4302,7 @@
           <a:p>
             <a:r>
               <a:rPr lang="de-DE" dirty="0" smtClean="0"/>
-              <a:t>NEXT.JS</a:t>
+              <a:t>Was ist NEXT.JS?</a:t>
             </a:r>
             <a:endParaRPr lang="de-DE" dirty="0"/>
           </a:p>
@@ -3678,6 +4323,245 @@
           <a:bodyPr/>
           <a:lstStyle/>
           <a:p>
+            <a:endParaRPr lang="de-DE" dirty="0" smtClean="0"/>
+          </a:p>
+          <a:p>
+            <a:endParaRPr lang="de-DE" dirty="0"/>
+          </a:p>
+        </p:txBody>
+      </p:sp>
+      <p:sp>
+        <p:nvSpPr>
+          <p:cNvPr id="4" name="Inhaltsplatzhalter 2"/>
+          <p:cNvSpPr txBox="1">
+            <a:spLocks/>
+          </p:cNvSpPr>
+          <p:nvPr/>
+        </p:nvSpPr>
+        <p:spPr>
+          <a:xfrm>
+            <a:off x="457200" y="2060847"/>
+            <a:ext cx="7620000" cy="4065315"/>
+          </a:xfrm>
+          <a:prstGeom prst="rect">
+            <a:avLst/>
+          </a:prstGeom>
+          <a:solidFill>
+            <a:schemeClr val="bg1"/>
+          </a:solidFill>
+        </p:spPr>
+        <p:txBody>
+          <a:bodyPr vert="horz" lIns="91440" tIns="45720" rIns="91440" bIns="45720" rtlCol="0">
+            <a:normAutofit/>
+          </a:bodyPr>
+          <a:lstStyle>
+            <a:lvl1pPr marL="0" indent="0" algn="l" defTabSz="914400" rtl="0" eaLnBrk="1" latinLnBrk="0" hangingPunct="1">
+              <a:spcBef>
+                <a:spcPct val="20000"/>
+              </a:spcBef>
+              <a:spcAft>
+                <a:spcPts val="600"/>
+              </a:spcAft>
+              <a:buFont typeface="Arial" pitchFamily="34" charset="0"/>
+              <a:buNone/>
+              <a:defRPr sz="2000" b="1" kern="1200">
+                <a:solidFill>
+                  <a:schemeClr val="tx1"/>
+                </a:solidFill>
+                <a:latin typeface="+mn-lt"/>
+                <a:ea typeface="+mn-ea"/>
+                <a:cs typeface="+mn-cs"/>
+              </a:defRPr>
+            </a:lvl1pPr>
+            <a:lvl2pPr marL="457200" indent="-182880" algn="l" defTabSz="914400" rtl="0" eaLnBrk="1" latinLnBrk="0" hangingPunct="1">
+              <a:spcBef>
+                <a:spcPct val="20000"/>
+              </a:spcBef>
+              <a:buClr>
+                <a:schemeClr val="tx2"/>
+              </a:buClr>
+              <a:buFont typeface="Arial" pitchFamily="34" charset="0"/>
+              <a:buChar char="•"/>
+              <a:defRPr sz="2000" kern="1200">
+                <a:solidFill>
+                  <a:schemeClr val="tx1"/>
+                </a:solidFill>
+                <a:latin typeface="+mn-lt"/>
+                <a:ea typeface="+mn-ea"/>
+                <a:cs typeface="+mn-cs"/>
+              </a:defRPr>
+            </a:lvl2pPr>
+            <a:lvl3pPr marL="1143000" indent="-228600" algn="l" defTabSz="914400" rtl="0" eaLnBrk="1" latinLnBrk="0" hangingPunct="1">
+              <a:spcBef>
+                <a:spcPct val="20000"/>
+              </a:spcBef>
+              <a:buClr>
+                <a:schemeClr val="tx2"/>
+              </a:buClr>
+              <a:buFont typeface="Arial" pitchFamily="34" charset="0"/>
+              <a:buChar char="•"/>
+              <a:defRPr sz="1800" kern="1200">
+                <a:solidFill>
+                  <a:schemeClr val="tx1"/>
+                </a:solidFill>
+                <a:latin typeface="+mn-lt"/>
+                <a:ea typeface="+mn-ea"/>
+                <a:cs typeface="+mn-cs"/>
+              </a:defRPr>
+            </a:lvl3pPr>
+            <a:lvl4pPr marL="1600200" indent="-228600" algn="l" defTabSz="914400" rtl="0" eaLnBrk="1" latinLnBrk="0" hangingPunct="1">
+              <a:spcBef>
+                <a:spcPct val="20000"/>
+              </a:spcBef>
+              <a:buClr>
+                <a:schemeClr val="tx2"/>
+              </a:buClr>
+              <a:buFont typeface="Arial" pitchFamily="34" charset="0"/>
+              <a:buChar char="•"/>
+              <a:defRPr sz="1800" kern="1200">
+                <a:solidFill>
+                  <a:schemeClr val="tx1"/>
+                </a:solidFill>
+                <a:latin typeface="+mn-lt"/>
+                <a:ea typeface="+mn-ea"/>
+                <a:cs typeface="+mn-cs"/>
+              </a:defRPr>
+            </a:lvl4pPr>
+            <a:lvl5pPr marL="2057400" indent="-228600" algn="l" defTabSz="914400" rtl="0" eaLnBrk="1" latinLnBrk="0" hangingPunct="1">
+              <a:spcBef>
+                <a:spcPct val="20000"/>
+              </a:spcBef>
+              <a:buClr>
+                <a:schemeClr val="tx2"/>
+              </a:buClr>
+              <a:buFont typeface="Arial" pitchFamily="34" charset="0"/>
+              <a:buChar char="•"/>
+              <a:defRPr sz="1800" kern="1200" baseline="0">
+                <a:solidFill>
+                  <a:schemeClr val="tx1"/>
+                </a:solidFill>
+                <a:latin typeface="+mn-lt"/>
+                <a:ea typeface="+mn-ea"/>
+                <a:cs typeface="+mn-cs"/>
+              </a:defRPr>
+            </a:lvl5pPr>
+            <a:lvl6pPr marL="2514600" indent="-228600" algn="l" defTabSz="914400" rtl="0" eaLnBrk="1" latinLnBrk="0" hangingPunct="1">
+              <a:spcBef>
+                <a:spcPct val="20000"/>
+              </a:spcBef>
+              <a:buClr>
+                <a:schemeClr val="tx2"/>
+              </a:buClr>
+              <a:buFont typeface="Arial" pitchFamily="34" charset="0"/>
+              <a:buChar char="•"/>
+              <a:defRPr sz="1600" kern="1200">
+                <a:solidFill>
+                  <a:schemeClr val="tx1"/>
+                </a:solidFill>
+                <a:latin typeface="+mn-lt"/>
+                <a:ea typeface="+mn-ea"/>
+                <a:cs typeface="+mn-cs"/>
+              </a:defRPr>
+            </a:lvl6pPr>
+            <a:lvl7pPr marL="2971800" indent="-228600" algn="l" defTabSz="914400" rtl="0" eaLnBrk="1" latinLnBrk="0" hangingPunct="1">
+              <a:spcBef>
+                <a:spcPct val="20000"/>
+              </a:spcBef>
+              <a:buClr>
+                <a:schemeClr val="tx2"/>
+              </a:buClr>
+              <a:buFont typeface="Arial" pitchFamily="34" charset="0"/>
+              <a:buChar char="•"/>
+              <a:defRPr sz="1600" kern="1200">
+                <a:solidFill>
+                  <a:schemeClr val="tx1"/>
+                </a:solidFill>
+                <a:latin typeface="+mn-lt"/>
+                <a:ea typeface="+mn-ea"/>
+                <a:cs typeface="+mn-cs"/>
+              </a:defRPr>
+            </a:lvl7pPr>
+            <a:lvl8pPr marL="3429000" indent="-228600" algn="l" defTabSz="914400" rtl="0" eaLnBrk="1" latinLnBrk="0" hangingPunct="1">
+              <a:spcBef>
+                <a:spcPct val="20000"/>
+              </a:spcBef>
+              <a:buClr>
+                <a:schemeClr val="tx2"/>
+              </a:buClr>
+              <a:buFont typeface="Arial" pitchFamily="34" charset="0"/>
+              <a:buChar char="•"/>
+              <a:defRPr sz="1600" kern="1200">
+                <a:solidFill>
+                  <a:schemeClr val="tx1"/>
+                </a:solidFill>
+                <a:latin typeface="+mn-lt"/>
+                <a:ea typeface="+mn-ea"/>
+                <a:cs typeface="+mn-cs"/>
+              </a:defRPr>
+            </a:lvl8pPr>
+            <a:lvl9pPr marL="3886200" indent="-228600" algn="l" defTabSz="914400" rtl="0" eaLnBrk="1" latinLnBrk="0" hangingPunct="1">
+              <a:spcBef>
+                <a:spcPct val="20000"/>
+              </a:spcBef>
+              <a:buClr>
+                <a:schemeClr val="tx2"/>
+              </a:buClr>
+              <a:buFont typeface="Arial" pitchFamily="34" charset="0"/>
+              <a:buChar char="•"/>
+              <a:defRPr sz="1600" kern="1200">
+                <a:solidFill>
+                  <a:schemeClr val="tx1"/>
+                </a:solidFill>
+                <a:latin typeface="+mn-lt"/>
+                <a:ea typeface="+mn-ea"/>
+                <a:cs typeface="+mn-cs"/>
+              </a:defRPr>
+            </a:lvl9pPr>
+          </a:lstStyle>
+          <a:p>
+            <a:pPr marL="342900" indent="-342900">
+              <a:buFont typeface="Arial" panose="020B0604020202020204" pitchFamily="34" charset="0"/>
+              <a:buChar char="•"/>
+            </a:pPr>
+            <a:endParaRPr lang="de-DE" dirty="0" smtClean="0"/>
+          </a:p>
+          <a:p>
+            <a:pPr marL="342900" indent="-342900">
+              <a:buFont typeface="Arial" panose="020B0604020202020204" pitchFamily="34" charset="0"/>
+              <a:buChar char="•"/>
+            </a:pPr>
+            <a:r>
+              <a:rPr lang="de-DE" dirty="0" smtClean="0"/>
+              <a:t>JavaScript-Framework für </a:t>
+            </a:r>
+            <a:r>
+              <a:rPr lang="de-DE" dirty="0" err="1" smtClean="0"/>
+              <a:t>ReactJS</a:t>
+            </a:r>
+            <a:r>
+              <a:rPr lang="de-DE" dirty="0" smtClean="0"/>
+              <a:t> Anwendungen</a:t>
+            </a:r>
+          </a:p>
+          <a:p>
+            <a:pPr marL="342900" indent="-342900">
+              <a:buFont typeface="Arial" panose="020B0604020202020204" pitchFamily="34" charset="0"/>
+              <a:buChar char="•"/>
+            </a:pPr>
+            <a:r>
+              <a:rPr lang="de-DE" dirty="0" smtClean="0"/>
+              <a:t>Gute Grundlage und vereinfacht das Entwickeln von Webanwendungen</a:t>
+            </a:r>
+          </a:p>
+          <a:p>
+            <a:pPr marL="342900" indent="-342900">
+              <a:buFont typeface="Arial" panose="020B0604020202020204" pitchFamily="34" charset="0"/>
+              <a:buChar char="•"/>
+            </a:pPr>
+            <a:r>
+              <a:rPr lang="de-DE" dirty="0" smtClean="0"/>
+              <a:t>Viele hilfreiche Features</a:t>
+            </a:r>
             <a:endParaRPr lang="de-DE" dirty="0"/>
           </a:p>
         </p:txBody>
@@ -3729,6 +4613,264 @@
             <p:ph type="title"/>
           </p:nvPr>
         </p:nvSpPr>
+        <p:spPr>
+          <a:xfrm>
+            <a:off x="457200" y="152718"/>
+            <a:ext cx="6923112" cy="1371600"/>
+          </a:xfrm>
+        </p:spPr>
+        <p:txBody>
+          <a:bodyPr/>
+          <a:lstStyle/>
+          <a:p>
+            <a:r>
+              <a:rPr lang="de-DE" dirty="0" smtClean="0"/>
+              <a:t>Server Side </a:t>
+            </a:r>
+            <a:r>
+              <a:rPr lang="de-DE" dirty="0" err="1" smtClean="0"/>
+              <a:t>rendering</a:t>
+            </a:r>
+            <a:endParaRPr lang="de-DE" dirty="0"/>
+          </a:p>
+        </p:txBody>
+      </p:sp>
+      <p:pic>
+        <p:nvPicPr>
+          <p:cNvPr id="1026" name="Picture 2"/>
+          <p:cNvPicPr>
+            <a:picLocks noChangeAspect="1" noChangeArrowheads="1"/>
+          </p:cNvPicPr>
+          <p:nvPr/>
+        </p:nvPicPr>
+        <p:blipFill>
+          <a:blip r:embed="rId2">
+            <a:extLst>
+              <a:ext uri="{28A0092B-C50C-407E-A947-70E740481C1C}">
+                <a14:useLocalDpi xmlns:a14="http://schemas.microsoft.com/office/drawing/2010/main" val="0"/>
+              </a:ext>
+            </a:extLst>
+          </a:blip>
+          <a:srcRect/>
+          <a:stretch>
+            <a:fillRect/>
+          </a:stretch>
+        </p:blipFill>
+        <p:spPr bwMode="auto">
+          <a:xfrm>
+            <a:off x="395536" y="2420888"/>
+            <a:ext cx="8244408" cy="3272469"/>
+          </a:xfrm>
+          <a:prstGeom prst="rect">
+            <a:avLst/>
+          </a:prstGeom>
+          <a:noFill/>
+          <a:ln>
+            <a:noFill/>
+          </a:ln>
+          <a:extLst>
+            <a:ext uri="{909E8E84-426E-40DD-AFC4-6F175D3DCCD1}">
+              <a14:hiddenFill xmlns:a14="http://schemas.microsoft.com/office/drawing/2010/main">
+                <a:solidFill>
+                  <a:schemeClr val="accent1"/>
+                </a:solidFill>
+              </a14:hiddenFill>
+            </a:ext>
+            <a:ext uri="{91240B29-F687-4F45-9708-019B960494DF}">
+              <a14:hiddenLine xmlns:a14="http://schemas.microsoft.com/office/drawing/2010/main" w="9525">
+                <a:solidFill>
+                  <a:schemeClr val="tx1"/>
+                </a:solidFill>
+                <a:miter lim="800000"/>
+                <a:headEnd/>
+                <a:tailEnd/>
+              </a14:hiddenLine>
+            </a:ext>
+          </a:extLst>
+        </p:spPr>
+      </p:pic>
+    </p:spTree>
+    <p:extLst>
+      <p:ext uri="{BB962C8B-B14F-4D97-AF65-F5344CB8AC3E}">
+        <p14:creationId xmlns:p14="http://schemas.microsoft.com/office/powerpoint/2010/main" val="2869707415"/>
+      </p:ext>
+    </p:extLst>
+  </p:cSld>
+  <p:clrMapOvr>
+    <a:masterClrMapping/>
+  </p:clrMapOvr>
+</p:sld>
+</file>
+
+<file path=ppt/slides/slide5.xml><?xml version="1.0" encoding="utf-8"?>
+<p:sld xmlns:a="http://schemas.openxmlformats.org/drawingml/2006/main" xmlns:r="http://schemas.openxmlformats.org/officeDocument/2006/relationships" xmlns:p="http://schemas.openxmlformats.org/presentationml/2006/main">
+  <p:cSld>
+    <p:spTree>
+      <p:nvGrpSpPr>
+        <p:cNvPr id="1" name=""/>
+        <p:cNvGrpSpPr/>
+        <p:nvPr/>
+      </p:nvGrpSpPr>
+      <p:grpSpPr>
+        <a:xfrm>
+          <a:off x="0" y="0"/>
+          <a:ext cx="0" cy="0"/>
+          <a:chOff x="0" y="0"/>
+          <a:chExt cx="0" cy="0"/>
+        </a:xfrm>
+      </p:grpSpPr>
+      <p:pic>
+        <p:nvPicPr>
+          <p:cNvPr id="3074" name="Picture 2" descr="Bildergebnis für server side rendering"/>
+          <p:cNvPicPr>
+            <a:picLocks noChangeAspect="1" noChangeArrowheads="1"/>
+          </p:cNvPicPr>
+          <p:nvPr/>
+        </p:nvPicPr>
+        <p:blipFill>
+          <a:blip r:embed="rId3">
+            <a:extLst>
+              <a:ext uri="{28A0092B-C50C-407E-A947-70E740481C1C}">
+                <a14:useLocalDpi xmlns:a14="http://schemas.microsoft.com/office/drawing/2010/main" val="0"/>
+              </a:ext>
+            </a:extLst>
+          </a:blip>
+          <a:srcRect/>
+          <a:stretch>
+            <a:fillRect/>
+          </a:stretch>
+        </p:blipFill>
+        <p:spPr bwMode="auto">
+          <a:xfrm>
+            <a:off x="395536" y="619369"/>
+            <a:ext cx="7800975" cy="5505451"/>
+          </a:xfrm>
+          <a:prstGeom prst="rect">
+            <a:avLst/>
+          </a:prstGeom>
+          <a:noFill/>
+          <a:extLst>
+            <a:ext uri="{909E8E84-426E-40DD-AFC4-6F175D3DCCD1}">
+              <a14:hiddenFill xmlns:a14="http://schemas.microsoft.com/office/drawing/2010/main">
+                <a:solidFill>
+                  <a:srgbClr val="FFFFFF"/>
+                </a:solidFill>
+              </a14:hiddenFill>
+            </a:ext>
+          </a:extLst>
+        </p:spPr>
+      </p:pic>
+    </p:spTree>
+    <p:extLst>
+      <p:ext uri="{BB962C8B-B14F-4D97-AF65-F5344CB8AC3E}">
+        <p14:creationId xmlns:p14="http://schemas.microsoft.com/office/powerpoint/2010/main" val="1116334122"/>
+      </p:ext>
+    </p:extLst>
+  </p:cSld>
+  <p:clrMapOvr>
+    <a:masterClrMapping/>
+  </p:clrMapOvr>
+</p:sld>
+</file>
+
+<file path=ppt/slides/slide6.xml><?xml version="1.0" encoding="utf-8"?>
+<p:sld xmlns:a="http://schemas.openxmlformats.org/drawingml/2006/main" xmlns:r="http://schemas.openxmlformats.org/officeDocument/2006/relationships" xmlns:p="http://schemas.openxmlformats.org/presentationml/2006/main">
+  <p:cSld>
+    <p:spTree>
+      <p:nvGrpSpPr>
+        <p:cNvPr id="1" name=""/>
+        <p:cNvGrpSpPr/>
+        <p:nvPr/>
+      </p:nvGrpSpPr>
+      <p:grpSpPr>
+        <a:xfrm>
+          <a:off x="0" y="0"/>
+          <a:ext cx="0" cy="0"/>
+          <a:chOff x="0" y="0"/>
+          <a:chExt cx="0" cy="0"/>
+        </a:xfrm>
+      </p:grpSpPr>
+      <p:pic>
+        <p:nvPicPr>
+          <p:cNvPr id="2050" name="Picture 2" descr="Bildergebnis für server side rendering"/>
+          <p:cNvPicPr>
+            <a:picLocks noChangeAspect="1" noChangeArrowheads="1"/>
+          </p:cNvPicPr>
+          <p:nvPr/>
+        </p:nvPicPr>
+        <p:blipFill>
+          <a:blip r:embed="rId3">
+            <a:extLst>
+              <a:ext uri="{28A0092B-C50C-407E-A947-70E740481C1C}">
+                <a14:useLocalDpi xmlns:a14="http://schemas.microsoft.com/office/drawing/2010/main" val="0"/>
+              </a:ext>
+            </a:extLst>
+          </a:blip>
+          <a:srcRect/>
+          <a:stretch>
+            <a:fillRect/>
+          </a:stretch>
+        </p:blipFill>
+        <p:spPr bwMode="auto">
+          <a:xfrm>
+            <a:off x="741684" y="692695"/>
+            <a:ext cx="7375588" cy="5256585"/>
+          </a:xfrm>
+          <a:prstGeom prst="rect">
+            <a:avLst/>
+          </a:prstGeom>
+          <a:noFill/>
+          <a:extLst>
+            <a:ext uri="{909E8E84-426E-40DD-AFC4-6F175D3DCCD1}">
+              <a14:hiddenFill xmlns:a14="http://schemas.microsoft.com/office/drawing/2010/main">
+                <a:solidFill>
+                  <a:srgbClr val="FFFFFF"/>
+                </a:solidFill>
+              </a14:hiddenFill>
+            </a:ext>
+          </a:extLst>
+        </p:spPr>
+      </p:pic>
+    </p:spTree>
+    <p:extLst>
+      <p:ext uri="{BB962C8B-B14F-4D97-AF65-F5344CB8AC3E}">
+        <p14:creationId xmlns:p14="http://schemas.microsoft.com/office/powerpoint/2010/main" val="1698282496"/>
+      </p:ext>
+    </p:extLst>
+  </p:cSld>
+  <p:clrMapOvr>
+    <a:masterClrMapping/>
+  </p:clrMapOvr>
+</p:sld>
+</file>
+
+<file path=ppt/slides/slide7.xml><?xml version="1.0" encoding="utf-8"?>
+<p:sld xmlns:a="http://schemas.openxmlformats.org/drawingml/2006/main" xmlns:r="http://schemas.openxmlformats.org/officeDocument/2006/relationships" xmlns:p="http://schemas.openxmlformats.org/presentationml/2006/main">
+  <p:cSld>
+    <p:spTree>
+      <p:nvGrpSpPr>
+        <p:cNvPr id="1" name=""/>
+        <p:cNvGrpSpPr/>
+        <p:nvPr/>
+      </p:nvGrpSpPr>
+      <p:grpSpPr>
+        <a:xfrm>
+          <a:off x="0" y="0"/>
+          <a:ext cx="0" cy="0"/>
+          <a:chOff x="0" y="0"/>
+          <a:chExt cx="0" cy="0"/>
+        </a:xfrm>
+      </p:grpSpPr>
+      <p:sp>
+        <p:nvSpPr>
+          <p:cNvPr id="2" name="Titel 1"/>
+          <p:cNvSpPr>
+            <a:spLocks noGrp="1"/>
+          </p:cNvSpPr>
+          <p:nvPr>
+            <p:ph type="title"/>
+          </p:nvPr>
+        </p:nvSpPr>
         <p:spPr/>
         <p:txBody>
           <a:bodyPr/>
@@ -3771,7 +4913,11 @@
             </a:pPr>
             <a:r>
               <a:rPr lang="de-DE" sz="1800" dirty="0" smtClean="0"/>
-              <a:t>Servergerenderte ohne zusätzlichen Aufwand</a:t>
+              <a:t>Serverseitig gerenderte Webanwendung (SSR), </a:t>
+            </a:r>
+            <a:r>
+              <a:rPr lang="de-DE" sz="1800" dirty="0" smtClean="0"/>
+              <a:t>ohne zusätzlichen Aufwand</a:t>
             </a:r>
             <a:endParaRPr lang="de-DE" sz="1800" dirty="0"/>
           </a:p>
@@ -3782,8 +4928,13 @@
             </a:pPr>
             <a:r>
               <a:rPr lang="de-DE" sz="1800" dirty="0" smtClean="0"/>
-              <a:t>Automatisches Code-Splitting, </a:t>
-            </a:r>
+              <a:t>Automatisches </a:t>
+            </a:r>
+            <a:r>
+              <a:rPr lang="de-DE" sz="1800" dirty="0" smtClean="0"/>
+              <a:t>Code-Splitting</a:t>
+            </a:r>
+            <a:endParaRPr lang="de-DE" sz="1800" dirty="0" smtClean="0"/>
           </a:p>
           <a:p>
             <a:pPr marL="342900" indent="-342900">
@@ -3866,6 +5017,207 @@
       </p:par>
     </p:tnLst>
   </p:timing>
+</p:sld>
+</file>
+
+<file path=ppt/slides/slide8.xml><?xml version="1.0" encoding="utf-8"?>
+<p:sld xmlns:a="http://schemas.openxmlformats.org/drawingml/2006/main" xmlns:r="http://schemas.openxmlformats.org/officeDocument/2006/relationships" xmlns:p="http://schemas.openxmlformats.org/presentationml/2006/main">
+  <p:cSld>
+    <p:spTree>
+      <p:nvGrpSpPr>
+        <p:cNvPr id="1" name=""/>
+        <p:cNvGrpSpPr/>
+        <p:nvPr/>
+      </p:nvGrpSpPr>
+      <p:grpSpPr>
+        <a:xfrm>
+          <a:off x="0" y="0"/>
+          <a:ext cx="0" cy="0"/>
+          <a:chOff x="0" y="0"/>
+          <a:chExt cx="0" cy="0"/>
+        </a:xfrm>
+      </p:grpSpPr>
+      <p:sp>
+        <p:nvSpPr>
+          <p:cNvPr id="2" name="Titel 1"/>
+          <p:cNvSpPr>
+            <a:spLocks noGrp="1"/>
+          </p:cNvSpPr>
+          <p:nvPr>
+            <p:ph type="title"/>
+          </p:nvPr>
+        </p:nvSpPr>
+        <p:spPr/>
+        <p:txBody>
+          <a:bodyPr/>
+          <a:lstStyle/>
+          <a:p>
+            <a:r>
+              <a:rPr lang="de-DE" dirty="0" smtClean="0"/>
+              <a:t>ZEIT </a:t>
+            </a:r>
+            <a:r>
+              <a:rPr lang="de-DE" dirty="0" err="1" smtClean="0"/>
+              <a:t>Now</a:t>
+            </a:r>
+            <a:endParaRPr lang="de-DE" dirty="0"/>
+          </a:p>
+        </p:txBody>
+      </p:sp>
+      <p:sp>
+        <p:nvSpPr>
+          <p:cNvPr id="3" name="Inhaltsplatzhalter 2"/>
+          <p:cNvSpPr>
+            <a:spLocks noGrp="1"/>
+          </p:cNvSpPr>
+          <p:nvPr>
+            <p:ph idx="1"/>
+          </p:nvPr>
+        </p:nvSpPr>
+        <p:spPr/>
+        <p:txBody>
+          <a:bodyPr/>
+          <a:lstStyle/>
+          <a:p>
+            <a:r>
+              <a:rPr lang="de-DE" dirty="0"/>
+              <a:t>– </a:t>
+            </a:r>
+            <a:r>
+              <a:rPr lang="de-DE" dirty="0" smtClean="0"/>
+              <a:t>„Global </a:t>
+            </a:r>
+            <a:r>
+              <a:rPr lang="de-DE" dirty="0" err="1" smtClean="0"/>
+              <a:t>Serverless</a:t>
+            </a:r>
+            <a:r>
+              <a:rPr lang="de-DE" dirty="0" smtClean="0"/>
+              <a:t> </a:t>
+            </a:r>
+            <a:r>
+              <a:rPr lang="de-DE" dirty="0" err="1" smtClean="0"/>
+              <a:t>Deployment</a:t>
+            </a:r>
+            <a:r>
+              <a:rPr lang="de-DE" dirty="0" smtClean="0"/>
+              <a:t>“</a:t>
+            </a:r>
+          </a:p>
+          <a:p>
+            <a:pPr marL="342900" indent="-342900">
+              <a:buFont typeface="Arial" panose="020B0604020202020204" pitchFamily="34" charset="0"/>
+              <a:buChar char="•"/>
+            </a:pPr>
+            <a:endParaRPr lang="de-DE" dirty="0"/>
+          </a:p>
+          <a:p>
+            <a:pPr marL="342900" indent="-342900">
+              <a:buFont typeface="Arial" panose="020B0604020202020204" pitchFamily="34" charset="0"/>
+              <a:buChar char="•"/>
+            </a:pPr>
+            <a:endParaRPr lang="de-DE" dirty="0" smtClean="0"/>
+          </a:p>
+          <a:p>
+            <a:pPr marL="342900" indent="-342900">
+              <a:buFont typeface="Arial" panose="020B0604020202020204" pitchFamily="34" charset="0"/>
+              <a:buChar char="•"/>
+            </a:pPr>
+            <a:r>
+              <a:rPr lang="de-DE" dirty="0" err="1" smtClean="0"/>
+              <a:t>Deployment</a:t>
+            </a:r>
+            <a:r>
+              <a:rPr lang="de-DE" dirty="0" smtClean="0"/>
+              <a:t>-Plattform</a:t>
+            </a:r>
+          </a:p>
+          <a:p>
+            <a:pPr marL="342900" indent="-342900">
+              <a:buFont typeface="Arial" panose="020B0604020202020204" pitchFamily="34" charset="0"/>
+              <a:buChar char="•"/>
+            </a:pPr>
+            <a:r>
+              <a:rPr lang="de-DE" dirty="0" smtClean="0"/>
+              <a:t>Kein Konfigurationsaufwand nötig</a:t>
+            </a:r>
+          </a:p>
+          <a:p>
+            <a:pPr marL="342900" indent="-342900">
+              <a:buFont typeface="Arial" panose="020B0604020202020204" pitchFamily="34" charset="0"/>
+              <a:buChar char="•"/>
+            </a:pPr>
+            <a:r>
+              <a:rPr lang="de-DE" dirty="0" smtClean="0"/>
+              <a:t>Perfekt für SSR Webapplikation wie Next.js</a:t>
+            </a:r>
+            <a:endParaRPr lang="de-DE" dirty="0"/>
+          </a:p>
+        </p:txBody>
+      </p:sp>
+    </p:spTree>
+    <p:extLst>
+      <p:ext uri="{BB962C8B-B14F-4D97-AF65-F5344CB8AC3E}">
+        <p14:creationId xmlns:p14="http://schemas.microsoft.com/office/powerpoint/2010/main" val="3299013545"/>
+      </p:ext>
+    </p:extLst>
+  </p:cSld>
+  <p:clrMapOvr>
+    <a:masterClrMapping/>
+  </p:clrMapOvr>
+</p:sld>
+</file>
+
+<file path=ppt/slides/slide9.xml><?xml version="1.0" encoding="utf-8"?>
+<p:sld xmlns:a="http://schemas.openxmlformats.org/drawingml/2006/main" xmlns:r="http://schemas.openxmlformats.org/officeDocument/2006/relationships" xmlns:p="http://schemas.openxmlformats.org/presentationml/2006/main">
+  <p:cSld>
+    <p:spTree>
+      <p:nvGrpSpPr>
+        <p:cNvPr id="1" name=""/>
+        <p:cNvGrpSpPr/>
+        <p:nvPr/>
+      </p:nvGrpSpPr>
+      <p:grpSpPr>
+        <a:xfrm>
+          <a:off x="0" y="0"/>
+          <a:ext cx="0" cy="0"/>
+          <a:chOff x="0" y="0"/>
+          <a:chExt cx="0" cy="0"/>
+        </a:xfrm>
+      </p:grpSpPr>
+      <p:sp>
+        <p:nvSpPr>
+          <p:cNvPr id="2" name="Titel 1"/>
+          <p:cNvSpPr>
+            <a:spLocks noGrp="1"/>
+          </p:cNvSpPr>
+          <p:nvPr>
+            <p:ph type="title"/>
+          </p:nvPr>
+        </p:nvSpPr>
+        <p:spPr/>
+        <p:txBody>
+          <a:bodyPr/>
+          <a:lstStyle/>
+          <a:p>
+            <a:r>
+              <a:rPr lang="de-DE" dirty="0" smtClean="0"/>
+              <a:t>DEMO</a:t>
+            </a:r>
+            <a:endParaRPr lang="de-DE" dirty="0"/>
+          </a:p>
+        </p:txBody>
+      </p:sp>
+    </p:spTree>
+    <p:extLst>
+      <p:ext uri="{BB962C8B-B14F-4D97-AF65-F5344CB8AC3E}">
+        <p14:creationId xmlns:p14="http://schemas.microsoft.com/office/powerpoint/2010/main" val="614016388"/>
+      </p:ext>
+    </p:extLst>
+  </p:cSld>
+  <p:clrMapOvr>
+    <a:masterClrMapping/>
+  </p:clrMapOvr>
 </p:sld>
 </file>
 
@@ -4120,4 +5472,289 @@
   <a:objectDefaults/>
   <a:extraClrSchemeLst/>
 </a:theme>
+</file>
+
+<file path=ppt/theme/theme2.xml><?xml version="1.0" encoding="utf-8"?>
+<a:theme xmlns:a="http://schemas.openxmlformats.org/drawingml/2006/main" name="Larissa">
+  <a:themeElements>
+    <a:clrScheme name="Larissa">
+      <a:dk1>
+        <a:sysClr val="windowText" lastClr="000000"/>
+      </a:dk1>
+      <a:lt1>
+        <a:sysClr val="window" lastClr="FFFFFF"/>
+      </a:lt1>
+      <a:dk2>
+        <a:srgbClr val="1F497D"/>
+      </a:dk2>
+      <a:lt2>
+        <a:srgbClr val="EEECE1"/>
+      </a:lt2>
+      <a:accent1>
+        <a:srgbClr val="4F81BD"/>
+      </a:accent1>
+      <a:accent2>
+        <a:srgbClr val="C0504D"/>
+      </a:accent2>
+      <a:accent3>
+        <a:srgbClr val="9BBB59"/>
+      </a:accent3>
+      <a:accent4>
+        <a:srgbClr val="8064A2"/>
+      </a:accent4>
+      <a:accent5>
+        <a:srgbClr val="4BACC6"/>
+      </a:accent5>
+      <a:accent6>
+        <a:srgbClr val="F79646"/>
+      </a:accent6>
+      <a:hlink>
+        <a:srgbClr val="0000FF"/>
+      </a:hlink>
+      <a:folHlink>
+        <a:srgbClr val="800080"/>
+      </a:folHlink>
+    </a:clrScheme>
+    <a:fontScheme name="Larissa">
+      <a:majorFont>
+        <a:latin typeface="Calibri"/>
+        <a:ea typeface=""/>
+        <a:cs typeface=""/>
+        <a:font script="Jpan" typeface="ＭＳ Ｐゴシック"/>
+        <a:font script="Hang" typeface="맑은 고딕"/>
+        <a:font script="Hans" typeface="宋体"/>
+        <a:font script="Hant" typeface="新細明體"/>
+        <a:font script="Arab" typeface="Times New Roman"/>
+        <a:font script="Hebr" typeface="Times New Roman"/>
+        <a:font script="Thai" typeface="Angsana New"/>
+        <a:font script="Ethi" typeface="Nyala"/>
+        <a:font script="Beng" typeface="Vrinda"/>
+        <a:font script="Gujr" typeface="Shruti"/>
+        <a:font script="Khmr" typeface="MoolBoran"/>
+        <a:font script="Knda" typeface="Tunga"/>
+        <a:font script="Guru" typeface="Raavi"/>
+        <a:font script="Cans" typeface="Euphemia"/>
+        <a:font script="Cher" typeface="Plantagenet Cherokee"/>
+        <a:font script="Yiii" typeface="Microsoft Yi Baiti"/>
+        <a:font script="Tibt" typeface="Microsoft Himalaya"/>
+        <a:font script="Thaa" typeface="MV Boli"/>
+        <a:font script="Deva" typeface="Mangal"/>
+        <a:font script="Telu" typeface="Gautami"/>
+        <a:font script="Taml" typeface="Latha"/>
+        <a:font script="Syrc" typeface="Estrangelo Edessa"/>
+        <a:font script="Orya" typeface="Kalinga"/>
+        <a:font script="Mlym" typeface="Kartika"/>
+        <a:font script="Laoo" typeface="DokChampa"/>
+        <a:font script="Sinh" typeface="Iskoola Pota"/>
+        <a:font script="Mong" typeface="Mongolian Baiti"/>
+        <a:font script="Viet" typeface="Times New Roman"/>
+        <a:font script="Uigh" typeface="Microsoft Uighur"/>
+        <a:font script="Geor" typeface="Sylfaen"/>
+      </a:majorFont>
+      <a:minorFont>
+        <a:latin typeface="Calibri"/>
+        <a:ea typeface=""/>
+        <a:cs typeface=""/>
+        <a:font script="Jpan" typeface="ＭＳ Ｐゴシック"/>
+        <a:font script="Hang" typeface="맑은 고딕"/>
+        <a:font script="Hans" typeface="宋体"/>
+        <a:font script="Hant" typeface="新細明體"/>
+        <a:font script="Arab" typeface="Arial"/>
+        <a:font script="Hebr" typeface="Arial"/>
+        <a:font script="Thai" typeface="Cordia New"/>
+        <a:font script="Ethi" typeface="Nyala"/>
+        <a:font script="Beng" typeface="Vrinda"/>
+        <a:font script="Gujr" typeface="Shruti"/>
+        <a:font script="Khmr" typeface="DaunPenh"/>
+        <a:font script="Knda" typeface="Tunga"/>
+        <a:font script="Guru" typeface="Raavi"/>
+        <a:font script="Cans" typeface="Euphemia"/>
+        <a:font script="Cher" typeface="Plantagenet Cherokee"/>
+        <a:font script="Yiii" typeface="Microsoft Yi Baiti"/>
+        <a:font script="Tibt" typeface="Microsoft Himalaya"/>
+        <a:font script="Thaa" typeface="MV Boli"/>
+        <a:font script="Deva" typeface="Mangal"/>
+        <a:font script="Telu" typeface="Gautami"/>
+        <a:font script="Taml" typeface="Latha"/>
+        <a:font script="Syrc" typeface="Estrangelo Edessa"/>
+        <a:font script="Orya" typeface="Kalinga"/>
+        <a:font script="Mlym" typeface="Kartika"/>
+        <a:font script="Laoo" typeface="DokChampa"/>
+        <a:font script="Sinh" typeface="Iskoola Pota"/>
+        <a:font script="Mong" typeface="Mongolian Baiti"/>
+        <a:font script="Viet" typeface="Arial"/>
+        <a:font script="Uigh" typeface="Microsoft Uighur"/>
+        <a:font script="Geor" typeface="Sylfaen"/>
+      </a:minorFont>
+    </a:fontScheme>
+    <a:fmtScheme name="Larissa">
+      <a:fillStyleLst>
+        <a:solidFill>
+          <a:schemeClr val="phClr"/>
+        </a:solidFill>
+        <a:gradFill rotWithShape="1">
+          <a:gsLst>
+            <a:gs pos="0">
+              <a:schemeClr val="phClr">
+                <a:tint val="50000"/>
+                <a:satMod val="300000"/>
+              </a:schemeClr>
+            </a:gs>
+            <a:gs pos="35000">
+              <a:schemeClr val="phClr">
+                <a:tint val="37000"/>
+                <a:satMod val="300000"/>
+              </a:schemeClr>
+            </a:gs>
+            <a:gs pos="100000">
+              <a:schemeClr val="phClr">
+                <a:tint val="15000"/>
+                <a:satMod val="350000"/>
+              </a:schemeClr>
+            </a:gs>
+          </a:gsLst>
+          <a:lin ang="16200000" scaled="1"/>
+        </a:gradFill>
+        <a:gradFill rotWithShape="1">
+          <a:gsLst>
+            <a:gs pos="0">
+              <a:schemeClr val="phClr">
+                <a:shade val="51000"/>
+                <a:satMod val="130000"/>
+              </a:schemeClr>
+            </a:gs>
+            <a:gs pos="80000">
+              <a:schemeClr val="phClr">
+                <a:shade val="93000"/>
+                <a:satMod val="130000"/>
+              </a:schemeClr>
+            </a:gs>
+            <a:gs pos="100000">
+              <a:schemeClr val="phClr">
+                <a:shade val="94000"/>
+                <a:satMod val="135000"/>
+              </a:schemeClr>
+            </a:gs>
+          </a:gsLst>
+          <a:lin ang="16200000" scaled="0"/>
+        </a:gradFill>
+      </a:fillStyleLst>
+      <a:lnStyleLst>
+        <a:ln w="9525" cap="flat" cmpd="sng" algn="ctr">
+          <a:solidFill>
+            <a:schemeClr val="phClr">
+              <a:shade val="95000"/>
+              <a:satMod val="105000"/>
+            </a:schemeClr>
+          </a:solidFill>
+          <a:prstDash val="solid"/>
+        </a:ln>
+        <a:ln w="25400" cap="flat" cmpd="sng" algn="ctr">
+          <a:solidFill>
+            <a:schemeClr val="phClr"/>
+          </a:solidFill>
+          <a:prstDash val="solid"/>
+        </a:ln>
+        <a:ln w="38100" cap="flat" cmpd="sng" algn="ctr">
+          <a:solidFill>
+            <a:schemeClr val="phClr"/>
+          </a:solidFill>
+          <a:prstDash val="solid"/>
+        </a:ln>
+      </a:lnStyleLst>
+      <a:effectStyleLst>
+        <a:effectStyle>
+          <a:effectLst>
+            <a:outerShdw blurRad="40000" dist="20000" dir="5400000" rotWithShape="0">
+              <a:srgbClr val="000000">
+                <a:alpha val="38000"/>
+              </a:srgbClr>
+            </a:outerShdw>
+          </a:effectLst>
+        </a:effectStyle>
+        <a:effectStyle>
+          <a:effectLst>
+            <a:outerShdw blurRad="40000" dist="23000" dir="5400000" rotWithShape="0">
+              <a:srgbClr val="000000">
+                <a:alpha val="35000"/>
+              </a:srgbClr>
+            </a:outerShdw>
+          </a:effectLst>
+        </a:effectStyle>
+        <a:effectStyle>
+          <a:effectLst>
+            <a:outerShdw blurRad="40000" dist="23000" dir="5400000" rotWithShape="0">
+              <a:srgbClr val="000000">
+                <a:alpha val="35000"/>
+              </a:srgbClr>
+            </a:outerShdw>
+          </a:effectLst>
+          <a:scene3d>
+            <a:camera prst="orthographicFront">
+              <a:rot lat="0" lon="0" rev="0"/>
+            </a:camera>
+            <a:lightRig rig="threePt" dir="t">
+              <a:rot lat="0" lon="0" rev="1200000"/>
+            </a:lightRig>
+          </a:scene3d>
+          <a:sp3d>
+            <a:bevelT w="63500" h="25400"/>
+          </a:sp3d>
+        </a:effectStyle>
+      </a:effectStyleLst>
+      <a:bgFillStyleLst>
+        <a:solidFill>
+          <a:schemeClr val="phClr"/>
+        </a:solidFill>
+        <a:gradFill rotWithShape="1">
+          <a:gsLst>
+            <a:gs pos="0">
+              <a:schemeClr val="phClr">
+                <a:tint val="40000"/>
+                <a:satMod val="350000"/>
+              </a:schemeClr>
+            </a:gs>
+            <a:gs pos="40000">
+              <a:schemeClr val="phClr">
+                <a:tint val="45000"/>
+                <a:shade val="99000"/>
+                <a:satMod val="350000"/>
+              </a:schemeClr>
+            </a:gs>
+            <a:gs pos="100000">
+              <a:schemeClr val="phClr">
+                <a:shade val="20000"/>
+                <a:satMod val="255000"/>
+              </a:schemeClr>
+            </a:gs>
+          </a:gsLst>
+          <a:path path="circle">
+            <a:fillToRect l="50000" t="-80000" r="50000" b="180000"/>
+          </a:path>
+        </a:gradFill>
+        <a:gradFill rotWithShape="1">
+          <a:gsLst>
+            <a:gs pos="0">
+              <a:schemeClr val="phClr">
+                <a:tint val="80000"/>
+                <a:satMod val="300000"/>
+              </a:schemeClr>
+            </a:gs>
+            <a:gs pos="100000">
+              <a:schemeClr val="phClr">
+                <a:shade val="30000"/>
+                <a:satMod val="200000"/>
+              </a:schemeClr>
+            </a:gs>
+          </a:gsLst>
+          <a:path path="circle">
+            <a:fillToRect l="50000" t="50000" r="50000" b="50000"/>
+          </a:path>
+        </a:gradFill>
+      </a:bgFillStyleLst>
+    </a:fmtScheme>
+  </a:themeElements>
+  <a:objectDefaults/>
+  <a:extraClrSchemeLst/>
+</a:theme>
 </file>
--- a/slides/ePortfolio-Next.js.pptx
+++ b/slides/ePortfolio-Next.js.pptx
@@ -4205,7 +4205,6 @@
               <a:rPr lang="de-DE" dirty="0" smtClean="0"/>
               <a:t>Vorteile von Next.js</a:t>
             </a:r>
-            <a:endParaRPr lang="de-DE" dirty="0" smtClean="0"/>
           </a:p>
           <a:p>
             <a:pPr marL="457200" indent="-457200">
@@ -4913,11 +4912,7 @@
             </a:pPr>
             <a:r>
               <a:rPr lang="de-DE" sz="1800" dirty="0" smtClean="0"/>
-              <a:t>Serverseitig gerenderte Webanwendung (SSR), </a:t>
-            </a:r>
-            <a:r>
-              <a:rPr lang="de-DE" sz="1800" dirty="0" smtClean="0"/>
-              <a:t>ohne zusätzlichen Aufwand</a:t>
+              <a:t>Serverseitig gerenderte Webanwendung (SSR), ohne zusätzlichen Aufwand</a:t>
             </a:r>
             <a:endParaRPr lang="de-DE" sz="1800" dirty="0"/>
           </a:p>
@@ -4928,13 +4923,8 @@
             </a:pPr>
             <a:r>
               <a:rPr lang="de-DE" sz="1800" dirty="0" smtClean="0"/>
-              <a:t>Automatisches </a:t>
-            </a:r>
-            <a:r>
-              <a:rPr lang="de-DE" sz="1800" dirty="0" smtClean="0"/>
-              <a:t>Code-Splitting</a:t>
-            </a:r>
-            <a:endParaRPr lang="de-DE" sz="1800" dirty="0" smtClean="0"/>
+              <a:t>Automatisches Code-Splitting</a:t>
+            </a:r>
           </a:p>
           <a:p>
             <a:pPr marL="342900" indent="-342900">
@@ -4980,7 +4970,19 @@
             </a:pPr>
             <a:r>
               <a:rPr lang="de-DE" sz="1800" dirty="0" smtClean="0"/>
-              <a:t>Leicht mit Express oder einem anderen Node.js HTTP-Server zu implementieren</a:t>
+              <a:t>Leicht </a:t>
+            </a:r>
+            <a:r>
+              <a:rPr lang="de-DE" sz="1800" dirty="0" smtClean="0"/>
+              <a:t>durch Express </a:t>
+            </a:r>
+            <a:r>
+              <a:rPr lang="de-DE" sz="1800" dirty="0" smtClean="0"/>
+              <a:t>oder einem anderen Node.js HTTP-Server </a:t>
+            </a:r>
+            <a:r>
+              <a:rPr lang="de-DE" sz="1800" dirty="0" smtClean="0"/>
+              <a:t>erweiterbar</a:t>
             </a:r>
             <a:endParaRPr lang="de-DE" sz="1800" dirty="0"/>
           </a:p>
@@ -5139,7 +5141,11 @@
             </a:pPr>
             <a:r>
               <a:rPr lang="de-DE" dirty="0" smtClean="0"/>
-              <a:t>Kein Konfigurationsaufwand nötig</a:t>
+              <a:t>Sehr geringer Konfigurationsaufwand </a:t>
+            </a:r>
+            <a:r>
+              <a:rPr lang="de-DE" dirty="0" smtClean="0"/>
+              <a:t>nötig</a:t>
             </a:r>
           </a:p>
           <a:p>
